--- a/digital-logic/slide_presentations/.hidden/Introduction_to_Digitial.pptx
+++ b/digital-logic/slide_presentations/.hidden/Introduction_to_Digitial.pptx
@@ -6908,6 +6908,32 @@
               <a:buSzPts val="1800"/>
               <a:buChar char="●"/>
             </a:pPr>
+            <a:endParaRPr lang="en" dirty="0"/>
+          </a:p>
+          <a:p>
+            <a:pPr marL="457200" lvl="0" indent="-342900" algn="l" rtl="0">
+              <a:spcBef>
+                <a:spcPts val="0"/>
+              </a:spcBef>
+              <a:spcAft>
+                <a:spcPts val="0"/>
+              </a:spcAft>
+              <a:buSzPts val="1800"/>
+              <a:buChar char="●"/>
+            </a:pPr>
+            <a:endParaRPr lang="en" dirty="0"/>
+          </a:p>
+          <a:p>
+            <a:pPr marL="457200" lvl="0" indent="-342900" algn="l" rtl="0">
+              <a:spcBef>
+                <a:spcPts val="0"/>
+              </a:spcBef>
+              <a:spcAft>
+                <a:spcPts val="0"/>
+              </a:spcAft>
+              <a:buSzPts val="1800"/>
+              <a:buChar char="●"/>
+            </a:pPr>
             <a:r>
               <a:rPr lang="en" dirty="0"/>
               <a:t>Section 3:  Digital Logic: Combinational and Sequential Circuits</a:t>
@@ -7009,30 +7035,32 @@
       </p:sp>
       <p:pic>
         <p:nvPicPr>
-          <p:cNvPr id="56" name="Google Shape;56;p13"/>
-          <p:cNvPicPr preferRelativeResize="0"/>
+          <p:cNvPr id="5" name="Picture 4" descr="A diagram of a diagram&#10;&#10;Description automatically generated">
+            <a:extLst>
+              <a:ext uri="{FF2B5EF4-FFF2-40B4-BE49-F238E27FC236}">
+                <a16:creationId xmlns:a16="http://schemas.microsoft.com/office/drawing/2014/main" id="{92533650-70FB-8444-A507-E4DAA02C289A}"/>
+              </a:ext>
+            </a:extLst>
+          </p:cNvPr>
+          <p:cNvPicPr>
+            <a:picLocks noChangeAspect="1"/>
+          </p:cNvPicPr>
           <p:nvPr/>
         </p:nvPicPr>
         <p:blipFill>
-          <a:blip r:embed="rId3">
-            <a:alphaModFix/>
-          </a:blip>
+          <a:blip r:embed="rId3"/>
           <a:stretch>
             <a:fillRect/>
           </a:stretch>
         </p:blipFill>
         <p:spPr>
           <a:xfrm>
-            <a:off x="6964700" y="-11550"/>
-            <a:ext cx="2028900" cy="1294100"/>
+            <a:off x="6188298" y="0"/>
+            <a:ext cx="2383211" cy="1784895"/>
           </a:xfrm>
           <a:prstGeom prst="rect">
             <a:avLst/>
           </a:prstGeom>
-          <a:noFill/>
-          <a:ln>
-            <a:noFill/>
-          </a:ln>
         </p:spPr>
       </p:pic>
     </p:spTree>
@@ -17935,30 +17963,32 @@
       </p:graphicFrame>
       <p:pic>
         <p:nvPicPr>
-          <p:cNvPr id="63" name="Google Shape;63;p14"/>
-          <p:cNvPicPr preferRelativeResize="0"/>
+          <p:cNvPr id="5" name="Picture 4" descr="A diagram of a diagram&#10;&#10;Description automatically generated">
+            <a:extLst>
+              <a:ext uri="{FF2B5EF4-FFF2-40B4-BE49-F238E27FC236}">
+                <a16:creationId xmlns:a16="http://schemas.microsoft.com/office/drawing/2014/main" id="{2457D999-5208-0C46-BE2B-5AED1627F242}"/>
+              </a:ext>
+            </a:extLst>
+          </p:cNvPr>
+          <p:cNvPicPr>
+            <a:picLocks noChangeAspect="1"/>
+          </p:cNvPicPr>
           <p:nvPr/>
         </p:nvPicPr>
         <p:blipFill>
-          <a:blip r:embed="rId3">
-            <a:alphaModFix/>
-          </a:blip>
+          <a:blip r:embed="rId3"/>
           <a:stretch>
             <a:fillRect/>
           </a:stretch>
         </p:blipFill>
         <p:spPr>
           <a:xfrm>
-            <a:off x="5279650" y="227400"/>
-            <a:ext cx="2477200" cy="1580050"/>
+            <a:off x="5444365" y="137928"/>
+            <a:ext cx="2383211" cy="1784895"/>
           </a:xfrm>
           <a:prstGeom prst="rect">
             <a:avLst/>
           </a:prstGeom>
-          <a:noFill/>
-          <a:ln>
-            <a:noFill/>
-          </a:ln>
         </p:spPr>
       </p:pic>
     </p:spTree>

--- a/digital-logic/slide_presentations/.hidden/Introduction_to_Digitial.pptx
+++ b/digital-logic/slide_presentations/.hidden/Introduction_to_Digitial.pptx
@@ -13625,10 +13625,10 @@
               <a:buChar char="●"/>
             </a:pPr>
             <a:r>
-              <a:rPr lang="en"/>
+              <a:rPr lang="en" dirty="0"/>
               <a:t>Groups only contains 1s</a:t>
             </a:r>
-            <a:endParaRPr/>
+            <a:endParaRPr dirty="0"/>
           </a:p>
           <a:p>
             <a:pPr marL="457200" lvl="0" indent="-342900" algn="l" rtl="0">
@@ -13642,10 +13642,10 @@
               <a:buChar char="●"/>
             </a:pPr>
             <a:r>
-              <a:rPr lang="en"/>
+              <a:rPr lang="en" dirty="0"/>
               <a:t>Group size must be a power of two</a:t>
             </a:r>
-            <a:endParaRPr/>
+            <a:endParaRPr dirty="0"/>
           </a:p>
           <a:p>
             <a:pPr marL="457200" lvl="0" indent="-342900" algn="l" rtl="0">
@@ -13659,10 +13659,10 @@
               <a:buChar char="●"/>
             </a:pPr>
             <a:r>
-              <a:rPr lang="en"/>
+              <a:rPr lang="en" dirty="0"/>
               <a:t>Groups must be rectangular, no diagonals</a:t>
             </a:r>
-            <a:endParaRPr/>
+            <a:endParaRPr dirty="0"/>
           </a:p>
           <a:p>
             <a:pPr marL="457200" lvl="0" indent="-342900" algn="l" rtl="0">
@@ -13676,10 +13676,10 @@
               <a:buChar char="●"/>
             </a:pPr>
             <a:r>
-              <a:rPr lang="en"/>
+              <a:rPr lang="en" dirty="0"/>
               <a:t>Groups can overlap</a:t>
             </a:r>
-            <a:endParaRPr/>
+            <a:endParaRPr dirty="0"/>
           </a:p>
           <a:p>
             <a:pPr marL="457200" lvl="0" indent="-342900" algn="l" rtl="0">
@@ -13693,10 +13693,10 @@
               <a:buChar char="●"/>
             </a:pPr>
             <a:r>
-              <a:rPr lang="en"/>
+              <a:rPr lang="en" dirty="0"/>
               <a:t>Groups can wrap</a:t>
             </a:r>
-            <a:endParaRPr/>
+            <a:endParaRPr dirty="0"/>
           </a:p>
           <a:p>
             <a:pPr marL="457200" lvl="0" indent="-342900" algn="l" rtl="0">
@@ -13710,10 +13710,10 @@
               <a:buChar char="●"/>
             </a:pPr>
             <a:r>
-              <a:rPr lang="en"/>
+              <a:rPr lang="en" dirty="0"/>
               <a:t>For Minimization:</a:t>
             </a:r>
-            <a:endParaRPr/>
+            <a:endParaRPr dirty="0"/>
           </a:p>
           <a:p>
             <a:pPr marL="914400" lvl="1" indent="-317500" algn="l" rtl="0">
@@ -13727,10 +13727,10 @@
               <a:buChar char="○"/>
             </a:pPr>
             <a:r>
-              <a:rPr lang="en"/>
+              <a:rPr lang="en" dirty="0"/>
               <a:t>Use the largest group</a:t>
             </a:r>
-            <a:endParaRPr/>
+            <a:endParaRPr dirty="0"/>
           </a:p>
           <a:p>
             <a:pPr marL="914400" lvl="1" indent="-317500" algn="l" rtl="0">
@@ -13744,10 +13744,10 @@
               <a:buChar char="○"/>
             </a:pPr>
             <a:r>
-              <a:rPr lang="en"/>
+              <a:rPr lang="en" dirty="0"/>
               <a:t>Use the fewest number of groups </a:t>
             </a:r>
-            <a:endParaRPr/>
+            <a:endParaRPr dirty="0"/>
           </a:p>
           <a:p>
             <a:pPr marL="914400" lvl="1" indent="-317500" algn="l" rtl="0">
@@ -13761,10 +13761,17 @@
               <a:buChar char="○"/>
             </a:pPr>
             <a:r>
-              <a:rPr lang="en"/>
-              <a:t>But all 1s must be contained in at least one group.</a:t>
+              <a:rPr lang="en" dirty="0"/>
+              <a:t>But all 1s must be contained</a:t>
             </a:r>
-            <a:endParaRPr/>
+            <a:br>
+              <a:rPr lang="en" dirty="0"/>
+            </a:br>
+            <a:r>
+              <a:rPr lang="en" dirty="0"/>
+              <a:t> in at least one group.</a:t>
+            </a:r>
+            <a:endParaRPr dirty="0"/>
           </a:p>
         </p:txBody>
       </p:sp>
@@ -15193,10 +15200,16 @@
         <p:nvGraphicFramePr>
           <p:cNvPr id="227" name="Google Shape;227;p25"/>
           <p:cNvGraphicFramePr/>
-          <p:nvPr/>
+          <p:nvPr>
+            <p:extLst>
+              <p:ext uri="{D42A27DB-BD31-4B8C-83A1-F6EECF244321}">
+                <p14:modId xmlns:p14="http://schemas.microsoft.com/office/powerpoint/2010/main" val="3318315293"/>
+              </p:ext>
+            </p:extLst>
+          </p:nvPr>
         </p:nvGraphicFramePr>
         <p:xfrm>
-          <a:off x="5159225" y="3353175"/>
+          <a:off x="3973492" y="3276435"/>
           <a:ext cx="2261575" cy="1584840"/>
         </p:xfrm>
         <a:graphic>
@@ -15392,14 +15405,14 @@
                         <a:buNone/>
                       </a:pPr>
                       <a:r>
-                        <a:rPr lang="en">
+                        <a:rPr lang="en" dirty="0">
                           <a:solidFill>
                             <a:schemeClr val="dk2"/>
                           </a:solidFill>
                         </a:rPr>
                         <a:t>BC</a:t>
                       </a:r>
-                      <a:endParaRPr/>
+                      <a:endParaRPr dirty="0"/>
                     </a:p>
                   </a:txBody>
                   <a:tcPr marL="91425" marR="91425" marT="91425" marB="91425">
@@ -16418,10 +16431,10 @@
                         <a:buNone/>
                       </a:pPr>
                       <a:r>
-                        <a:rPr lang="en"/>
+                        <a:rPr lang="en" dirty="0"/>
                         <a:t>1</a:t>
                       </a:r>
-                      <a:endParaRPr/>
+                      <a:endParaRPr dirty="0"/>
                     </a:p>
                   </a:txBody>
                   <a:tcPr marL="91425" marR="91425" marT="91425" marB="91425">
@@ -18475,10 +18488,18 @@
               <a:buChar char="●"/>
             </a:pPr>
             <a:r>
-              <a:rPr lang="en"/>
-              <a:t>Circuit:  a digital realization of a function:   y = f(), y = f(x), y =f(a,b), … </a:t>
+              <a:rPr lang="en" dirty="0"/>
+              <a:t>Circuit:  a digital realization of a function:   y = f(), y = f(x), y =f(</a:t>
             </a:r>
-            <a:endParaRPr/>
+            <a:r>
+              <a:rPr lang="en" dirty="0" err="1"/>
+              <a:t>a,b</a:t>
+            </a:r>
+            <a:r>
+              <a:rPr lang="en" dirty="0"/>
+              <a:t>), … </a:t>
+            </a:r>
+            <a:endParaRPr dirty="0"/>
           </a:p>
           <a:p>
             <a:pPr marL="457200" lvl="0" indent="-342900" algn="l" rtl="0">
@@ -18492,10 +18513,10 @@
               <a:buChar char="●"/>
             </a:pPr>
             <a:r>
-              <a:rPr lang="en"/>
+              <a:rPr lang="en" dirty="0"/>
               <a:t>Values:</a:t>
             </a:r>
-            <a:endParaRPr/>
+            <a:endParaRPr dirty="0"/>
           </a:p>
           <a:p>
             <a:pPr marL="914400" lvl="1" indent="-317500" algn="l" rtl="0">
@@ -18509,10 +18530,10 @@
               <a:buChar char="○"/>
             </a:pPr>
             <a:r>
-              <a:rPr lang="en"/>
+              <a:rPr lang="en" dirty="0"/>
               <a:t>True (T), 1, +5v</a:t>
             </a:r>
-            <a:endParaRPr/>
+            <a:endParaRPr dirty="0"/>
           </a:p>
           <a:p>
             <a:pPr marL="914400" lvl="1" indent="-317500" algn="l" rtl="0">
@@ -18526,10 +18547,10 @@
               <a:buChar char="○"/>
             </a:pPr>
             <a:r>
-              <a:rPr lang="en"/>
+              <a:rPr lang="en" dirty="0"/>
               <a:t>False (F), 0, </a:t>
             </a:r>
-            <a:endParaRPr/>
+            <a:endParaRPr dirty="0"/>
           </a:p>
           <a:p>
             <a:pPr marL="457200" lvl="0" indent="-342900" algn="l" rtl="0">
@@ -18543,10 +18564,10 @@
               <a:buChar char="●"/>
             </a:pPr>
             <a:r>
-              <a:rPr lang="en"/>
+              <a:rPr lang="en" dirty="0"/>
               <a:t>Functions:</a:t>
             </a:r>
-            <a:endParaRPr/>
+            <a:endParaRPr dirty="0"/>
           </a:p>
           <a:p>
             <a:pPr marL="914400" lvl="1" indent="-317500" algn="l" rtl="0">
@@ -18560,10 +18581,10 @@
               <a:buChar char="○"/>
             </a:pPr>
             <a:r>
-              <a:rPr lang="en"/>
+              <a:rPr lang="en" dirty="0"/>
               <a:t>zero inputs:	clear (0), set (1)</a:t>
             </a:r>
-            <a:endParaRPr/>
+            <a:endParaRPr dirty="0"/>
           </a:p>
           <a:p>
             <a:pPr marL="914400" lvl="1" indent="-317500" algn="l" rtl="0">
@@ -18577,10 +18598,10 @@
               <a:buChar char="○"/>
             </a:pPr>
             <a:r>
-              <a:rPr lang="en"/>
-              <a:t>one input:		clear, invert, id, set</a:t>
+              <a:rPr lang="en" dirty="0"/>
+              <a:t>one input:	clear, invert, id, set</a:t>
             </a:r>
-            <a:endParaRPr/>
+            <a:endParaRPr dirty="0"/>
           </a:p>
           <a:p>
             <a:pPr marL="914400" lvl="0" indent="0" algn="l" rtl="0">
@@ -18593,18 +18614,18 @@
               <a:buNone/>
             </a:pPr>
             <a:br>
-              <a:rPr lang="en"/>
+              <a:rPr lang="en" dirty="0"/>
             </a:br>
             <a:br>
-              <a:rPr lang="en"/>
+              <a:rPr lang="en" dirty="0"/>
             </a:br>
             <a:br>
-              <a:rPr lang="en"/>
+              <a:rPr lang="en" dirty="0"/>
             </a:br>
             <a:br>
-              <a:rPr lang="en"/>
+              <a:rPr lang="en" dirty="0"/>
             </a:br>
-            <a:endParaRPr/>
+            <a:endParaRPr dirty="0"/>
           </a:p>
         </p:txBody>
       </p:sp>
@@ -20308,7 +20329,7 @@
         </p:nvSpPr>
         <p:spPr>
           <a:xfrm>
-            <a:off x="5426800" y="4188530"/>
+            <a:off x="5501400" y="2354032"/>
             <a:ext cx="3073800" cy="1854405"/>
           </a:xfrm>
           <a:prstGeom prst="rect">
@@ -20354,7 +20375,7 @@
         </p:nvSpPr>
         <p:spPr>
           <a:xfrm>
-            <a:off x="-466875" y="4904244"/>
+            <a:off x="576750" y="3145258"/>
             <a:ext cx="4546800" cy="1854406"/>
           </a:xfrm>
           <a:prstGeom prst="rect">
@@ -20495,14 +20516,14 @@
               <a:buChar char="●"/>
             </a:pPr>
             <a:r>
-              <a:rPr lang="en"/>
+              <a:rPr lang="en" dirty="0"/>
               <a:t>16 different functions can be created:  2^ 2</a:t>
             </a:r>
             <a:r>
-              <a:rPr lang="en" baseline="30000"/>
+              <a:rPr lang="en" baseline="30000" dirty="0"/>
               <a:t>2</a:t>
             </a:r>
-            <a:endParaRPr/>
+            <a:endParaRPr dirty="0"/>
           </a:p>
           <a:p>
             <a:pPr marL="457200" lvl="0" indent="-342900" algn="l" rtl="0">
@@ -20516,10 +20537,10 @@
               <a:buChar char="●"/>
             </a:pPr>
             <a:r>
-              <a:rPr lang="en"/>
+              <a:rPr lang="en" dirty="0"/>
               <a:t>List of functions:</a:t>
             </a:r>
-            <a:endParaRPr/>
+            <a:endParaRPr dirty="0"/>
           </a:p>
           <a:p>
             <a:pPr marL="457200" lvl="0" indent="-342900" algn="l" rtl="0">
@@ -20533,11 +20554,11 @@
               <a:buChar char="●"/>
             </a:pPr>
             <a:r>
-              <a:rPr lang="en"/>
+              <a:rPr lang="en" dirty="0"/>
               <a:t>Definitions: </a:t>
             </a:r>
             <a:r>
-              <a:rPr lang="en" u="sng">
+              <a:rPr lang="en" u="sng" dirty="0">
                 <a:solidFill>
                   <a:schemeClr val="hlink"/>
                 </a:solidFill>
@@ -20546,10 +20567,10 @@
               <a:t>Truth Table</a:t>
             </a:r>
             <a:r>
-              <a:rPr lang="en"/>
+              <a:rPr lang="en" dirty="0"/>
               <a:t>:</a:t>
             </a:r>
-            <a:endParaRPr/>
+            <a:endParaRPr dirty="0"/>
           </a:p>
         </p:txBody>
       </p:sp>
@@ -25793,8 +25814,8 @@
         </p:nvSpPr>
         <p:spPr>
           <a:xfrm>
-            <a:off x="780050" y="4608012"/>
-            <a:ext cx="6741000" cy="2039330"/>
+            <a:off x="1284477" y="4568505"/>
+            <a:ext cx="5244660" cy="2039330"/>
           </a:xfrm>
           <a:prstGeom prst="rect">
             <a:avLst/>
@@ -28508,10 +28529,10 @@
               <a:buChar char="●"/>
             </a:pPr>
             <a:r>
-              <a:rPr lang="en"/>
+              <a:rPr lang="en" dirty="0"/>
               <a:t>Generate a circuit as a sum of products</a:t>
             </a:r>
-            <a:endParaRPr/>
+            <a:endParaRPr dirty="0"/>
           </a:p>
           <a:p>
             <a:pPr marL="457200" lvl="0" indent="-342900" algn="l" rtl="0">
@@ -28525,10 +28546,10 @@
               <a:buChar char="●"/>
             </a:pPr>
             <a:r>
-              <a:rPr lang="en"/>
+              <a:rPr lang="en" dirty="0"/>
               <a:t>Values:  0, 1</a:t>
             </a:r>
-            <a:endParaRPr/>
+            <a:endParaRPr dirty="0"/>
           </a:p>
           <a:p>
             <a:pPr marL="457200" lvl="0" indent="-342900" algn="l" rtl="0">
@@ -28542,13 +28563,13 @@
               <a:buChar char="●"/>
             </a:pPr>
             <a:r>
-              <a:rPr lang="en"/>
+              <a:rPr lang="en" dirty="0"/>
               <a:t>Functions: Not ('), And (*), Or (+)</a:t>
             </a:r>
             <a:br>
-              <a:rPr lang="en"/>
+              <a:rPr lang="en" dirty="0"/>
             </a:br>
-            <a:endParaRPr/>
+            <a:endParaRPr dirty="0"/>
           </a:p>
           <a:p>
             <a:pPr marL="457200" lvl="0" indent="-342900" algn="l" rtl="0">
@@ -28562,22 +28583,33 @@
               <a:buChar char="●"/>
             </a:pPr>
             <a:r>
+              <a:rPr lang="en" dirty="0"/>
+              <a:t>Example: Implication:  </a:t>
+            </a:r>
+            <a:r>
               <a:rPr lang="en"/>
-              <a:t>Example: Implication:  A </a:t>
+              <a:t>A </a:t>
             </a:r>
             <a:r>
               <a:rPr lang="en" sz="1400">
                 <a:solidFill>
                   <a:schemeClr val="dk1"/>
                 </a:solidFill>
+                <a:sym typeface="Wingdings" pitchFamily="2" charset="2"/>
               </a:rPr>
-              <a:t>←</a:t>
+              <a:t>  </a:t>
             </a:r>
             <a:r>
               <a:rPr lang="en"/>
-              <a:t> B</a:t>
+              <a:t>B</a:t>
             </a:r>
-            <a:endParaRPr/>
+            <a:r>
+              <a:rPr lang="en">
+                <a:sym typeface="Wingdings" pitchFamily="2" charset="2"/>
+              </a:rPr>
+              <a:t> </a:t>
+            </a:r>
+            <a:endParaRPr dirty="0"/>
           </a:p>
           <a:p>
             <a:pPr marL="914400" lvl="1" indent="-317500" algn="l" rtl="0">
@@ -28591,10 +28623,10 @@
               <a:buChar char="○"/>
             </a:pPr>
             <a:r>
-              <a:rPr lang="en"/>
-              <a:t>If A is true then B must also be true!</a:t>
+              <a:rPr lang="en" dirty="0"/>
+              <a:t>If B is true then A must also be true!</a:t>
             </a:r>
-            <a:endParaRPr/>
+            <a:endParaRPr dirty="0"/>
           </a:p>
           <a:p>
             <a:pPr marL="457200" lvl="0" indent="-342900" algn="l" rtl="0">
@@ -28608,10 +28640,10 @@
               <a:buChar char="●"/>
             </a:pPr>
             <a:r>
-              <a:rPr lang="en"/>
+              <a:rPr lang="en" dirty="0"/>
               <a:t>Consider the Truth Table</a:t>
             </a:r>
-            <a:endParaRPr/>
+            <a:endParaRPr dirty="0"/>
           </a:p>
           <a:p>
             <a:pPr marL="457200" lvl="0" indent="-342900" algn="l" rtl="0">
@@ -28625,10 +28657,10 @@
               <a:buChar char="●"/>
             </a:pPr>
             <a:r>
-              <a:rPr lang="en"/>
+              <a:rPr lang="en" dirty="0"/>
               <a:t>Evaluate each row:</a:t>
             </a:r>
-            <a:endParaRPr/>
+            <a:endParaRPr dirty="0"/>
           </a:p>
           <a:p>
             <a:pPr marL="457200" lvl="0" indent="-342900" algn="l" rtl="0">
@@ -28642,10 +28674,10 @@
               <a:buChar char="●"/>
             </a:pPr>
             <a:r>
-              <a:rPr lang="en"/>
+              <a:rPr lang="en" dirty="0"/>
               <a:t>Combine all rows that are true</a:t>
             </a:r>
-            <a:endParaRPr/>
+            <a:endParaRPr dirty="0"/>
           </a:p>
           <a:p>
             <a:pPr marL="914400" lvl="1" indent="-317500" algn="l" rtl="0">
@@ -28659,10 +28691,10 @@
               <a:buChar char="○"/>
             </a:pPr>
             <a:r>
-              <a:rPr lang="en"/>
+              <a:rPr lang="en" dirty="0"/>
               <a:t>Output = A'B' + AB' + AB</a:t>
             </a:r>
-            <a:endParaRPr/>
+            <a:endParaRPr dirty="0"/>
           </a:p>
         </p:txBody>
       </p:sp>
@@ -29306,10 +29338,10 @@
                         <a:buNone/>
                       </a:pPr>
                       <a:r>
-                        <a:rPr lang="en"/>
+                        <a:rPr lang="en" dirty="0"/>
                         <a:t>0</a:t>
                       </a:r>
-                      <a:endParaRPr/>
+                      <a:endParaRPr dirty="0"/>
                     </a:p>
                   </a:txBody>
                   <a:tcPr marL="91425" marR="91425" marT="91425" marB="91425">
@@ -29934,10 +29966,10 @@
                         <a:buNone/>
                       </a:pPr>
                       <a:r>
-                        <a:rPr lang="en"/>
+                        <a:rPr lang="en" dirty="0"/>
                         <a:t>AB</a:t>
                       </a:r>
-                      <a:endParaRPr/>
+                      <a:endParaRPr dirty="0"/>
                     </a:p>
                   </a:txBody>
                   <a:tcPr marL="91425" marR="91425" marT="91425" marB="91425">
@@ -34330,8 +34362,8 @@
         </p:nvSpPr>
         <p:spPr>
           <a:xfrm>
-            <a:off x="5209429" y="342603"/>
-            <a:ext cx="3719237" cy="1776186"/>
+            <a:off x="4923923" y="2404834"/>
+            <a:ext cx="2920374" cy="1776186"/>
           </a:xfrm>
           <a:prstGeom prst="rect">
             <a:avLst/>

--- a/digital-logic/slide_presentations/.hidden/Introduction_to_Digitial.pptx
+++ b/digital-logic/slide_presentations/.hidden/Introduction_to_Digitial.pptx
@@ -17457,7 +17457,13 @@
         <p:nvGraphicFramePr>
           <p:cNvPr id="62" name="Google Shape;62;p14"/>
           <p:cNvGraphicFramePr/>
-          <p:nvPr/>
+          <p:nvPr>
+            <p:extLst>
+              <p:ext uri="{D42A27DB-BD31-4B8C-83A1-F6EECF244321}">
+                <p14:modId xmlns:p14="http://schemas.microsoft.com/office/powerpoint/2010/main" val="1745178949"/>
+              </p:ext>
+            </p:extLst>
+          </p:nvPr>
         </p:nvGraphicFramePr>
         <p:xfrm>
           <a:off x="561000" y="2074050"/>
@@ -17847,7 +17853,7 @@
                       </a:pPr>
                       <a:r>
                         <a:rPr lang="en"/>
-                        <a:t>Sequential Circuits</a:t>
+                        <a:t>Sequential Circuit</a:t>
                       </a:r>
                       <a:endParaRPr/>
                     </a:p>
@@ -17914,10 +17920,10 @@
                         <a:buNone/>
                       </a:pPr>
                       <a:r>
-                        <a:rPr lang="en"/>
-                        <a:t>Combinational Logic</a:t>
-                      </a:r>
-                      <a:endParaRPr/>
+                        <a:rPr lang="en" dirty="0"/>
+                        <a:t>Combinational Circuit</a:t>
+                      </a:r>
+                      <a:endParaRPr dirty="0"/>
                     </a:p>
                   </a:txBody>
                   <a:tcPr marL="91425" marR="91425" marT="91425" marB="91425"/>
@@ -17937,10 +17943,10 @@
                         <a:buNone/>
                       </a:pPr>
                       <a:r>
-                        <a:rPr lang="en"/>
+                        <a:rPr lang="en" dirty="0"/>
                         <a:t>Boolean Algebra</a:t>
                       </a:r>
-                      <a:endParaRPr/>
+                      <a:endParaRPr dirty="0"/>
                     </a:p>
                   </a:txBody>
                   <a:tcPr marL="91425" marR="91425" marT="91425" marB="91425"/>
@@ -17959,7 +17965,7 @@
                         </a:spcAft>
                         <a:buNone/>
                       </a:pPr>
-                      <a:endParaRPr/>
+                      <a:endParaRPr dirty="0"/>
                     </a:p>
                   </a:txBody>
                   <a:tcPr marL="91425" marR="91425" marT="91425" marB="91425"/>
